--- a/Comprendre le noyau Linux.pptx
+++ b/Comprendre le noyau Linux.pptx
@@ -181,6 +181,11 @@
       </a:defRPr>
     </a:lvl9pPr>
   </p:defaultTextStyle>
+  <p:extLst>
+    <p:ext uri="{EFAFB233-063F-42B5-8137-9DF3F51BA10A}">
+      <p15:sldGuideLst xmlns:p15="http://schemas.microsoft.com/office/powerpoint/2012/main"/>
+    </p:ext>
+  </p:extLst>
 </p:presentation>
 </file>
 
@@ -266,7 +271,7 @@
           <a:p>
             <a:fld id="{F332F26F-7DD5-4E40-83CD-955F22CDA768}" type="datetimeFigureOut">
               <a:rPr lang="fr-FR" smtClean="0"/>
-              <a:t>18/04/2020</a:t>
+              <a:t>24/04/2020</a:t>
             </a:fld>
             <a:endParaRPr lang="fr-FR"/>
           </a:p>
@@ -3829,7 +3834,7 @@
             <a:fld id="{B61BEF0D-F0BB-DE4B-95CE-6DB70DBA9567}" type="datetimeFigureOut">
               <a:rPr lang="en-US" dirty="0"/>
               <a:pPr/>
-              <a:t>4/17/2020</a:t>
+              <a:t>4/24/2020</a:t>
             </a:fld>
             <a:endParaRPr lang="en-US" dirty="0"/>
           </a:p>
@@ -4160,7 +4165,7 @@
             <a:fld id="{B61BEF0D-F0BB-DE4B-95CE-6DB70DBA9567}" type="datetimeFigureOut">
               <a:rPr lang="en-US" dirty="0"/>
               <a:pPr/>
-              <a:t>4/17/2020</a:t>
+              <a:t>4/24/2020</a:t>
             </a:fld>
             <a:endParaRPr lang="en-US" dirty="0"/>
           </a:p>
@@ -4435,7 +4440,7 @@
             <a:fld id="{B61BEF0D-F0BB-DE4B-95CE-6DB70DBA9567}" type="datetimeFigureOut">
               <a:rPr lang="en-US" dirty="0"/>
               <a:pPr/>
-              <a:t>4/17/2020</a:t>
+              <a:t>4/24/2020</a:t>
             </a:fld>
             <a:endParaRPr lang="en-US" dirty="0"/>
           </a:p>
@@ -5000,7 +5005,7 @@
             <a:fld id="{B61BEF0D-F0BB-DE4B-95CE-6DB70DBA9567}" type="datetimeFigureOut">
               <a:rPr lang="en-US" dirty="0"/>
               <a:pPr/>
-              <a:t>4/17/2020</a:t>
+              <a:t>4/24/2020</a:t>
             </a:fld>
             <a:endParaRPr lang="en-US" dirty="0"/>
           </a:p>
@@ -5275,7 +5280,7 @@
             <a:fld id="{B61BEF0D-F0BB-DE4B-95CE-6DB70DBA9567}" type="datetimeFigureOut">
               <a:rPr lang="en-US" dirty="0"/>
               <a:pPr/>
-              <a:t>4/17/2020</a:t>
+              <a:t>4/24/2020</a:t>
             </a:fld>
             <a:endParaRPr lang="en-US" dirty="0"/>
           </a:p>
@@ -5834,7 +5839,7 @@
             <a:fld id="{B61BEF0D-F0BB-DE4B-95CE-6DB70DBA9567}" type="datetimeFigureOut">
               <a:rPr lang="en-US" dirty="0"/>
               <a:pPr/>
-              <a:t>4/17/2020</a:t>
+              <a:t>4/24/2020</a:t>
             </a:fld>
             <a:endParaRPr lang="en-US" dirty="0"/>
           </a:p>
@@ -6158,7 +6163,7 @@
             <a:fld id="{B61BEF0D-F0BB-DE4B-95CE-6DB70DBA9567}" type="datetimeFigureOut">
               <a:rPr lang="en-US" dirty="0"/>
               <a:pPr/>
-              <a:t>4/17/2020</a:t>
+              <a:t>4/24/2020</a:t>
             </a:fld>
             <a:endParaRPr lang="en-US" dirty="0"/>
           </a:p>
@@ -6360,7 +6365,7 @@
             <a:fld id="{B61BEF0D-F0BB-DE4B-95CE-6DB70DBA9567}" type="datetimeFigureOut">
               <a:rPr lang="en-US" dirty="0"/>
               <a:pPr/>
-              <a:t>4/17/2020</a:t>
+              <a:t>4/24/2020</a:t>
             </a:fld>
             <a:endParaRPr lang="en-US" dirty="0"/>
           </a:p>
@@ -6567,7 +6572,7 @@
             <a:fld id="{B61BEF0D-F0BB-DE4B-95CE-6DB70DBA9567}" type="datetimeFigureOut">
               <a:rPr lang="en-US" dirty="0"/>
               <a:pPr/>
-              <a:t>4/17/2020</a:t>
+              <a:t>4/24/2020</a:t>
             </a:fld>
             <a:endParaRPr lang="en-US" dirty="0"/>
           </a:p>
@@ -6764,7 +6769,7 @@
             <a:fld id="{B61BEF0D-F0BB-DE4B-95CE-6DB70DBA9567}" type="datetimeFigureOut">
               <a:rPr lang="en-US" dirty="0"/>
               <a:pPr/>
-              <a:t>4/17/2020</a:t>
+              <a:t>4/24/2020</a:t>
             </a:fld>
             <a:endParaRPr lang="en-US" dirty="0"/>
           </a:p>
@@ -7037,7 +7042,7 @@
             <a:fld id="{B61BEF0D-F0BB-DE4B-95CE-6DB70DBA9567}" type="datetimeFigureOut">
               <a:rPr lang="en-US" dirty="0"/>
               <a:pPr/>
-              <a:t>4/17/2020</a:t>
+              <a:t>4/24/2020</a:t>
             </a:fld>
             <a:endParaRPr lang="en-US" dirty="0"/>
           </a:p>
@@ -7300,7 +7305,7 @@
             <a:fld id="{B61BEF0D-F0BB-DE4B-95CE-6DB70DBA9567}" type="datetimeFigureOut">
               <a:rPr lang="en-US" dirty="0"/>
               <a:pPr/>
-              <a:t>4/17/2020</a:t>
+              <a:t>4/24/2020</a:t>
             </a:fld>
             <a:endParaRPr lang="en-US" dirty="0"/>
           </a:p>
@@ -7671,7 +7676,7 @@
             <a:fld id="{B61BEF0D-F0BB-DE4B-95CE-6DB70DBA9567}" type="datetimeFigureOut">
               <a:rPr lang="en-US" dirty="0"/>
               <a:pPr/>
-              <a:t>4/17/2020</a:t>
+              <a:t>4/24/2020</a:t>
             </a:fld>
             <a:endParaRPr lang="en-US" dirty="0"/>
           </a:p>
@@ -7816,7 +7821,7 @@
             <a:fld id="{B61BEF0D-F0BB-DE4B-95CE-6DB70DBA9567}" type="datetimeFigureOut">
               <a:rPr lang="en-US" dirty="0"/>
               <a:pPr/>
-              <a:t>4/17/2020</a:t>
+              <a:t>4/24/2020</a:t>
             </a:fld>
             <a:endParaRPr lang="en-US" dirty="0"/>
           </a:p>
@@ -7938,7 +7943,7 @@
             <a:fld id="{B61BEF0D-F0BB-DE4B-95CE-6DB70DBA9567}" type="datetimeFigureOut">
               <a:rPr lang="en-US" dirty="0"/>
               <a:pPr/>
-              <a:t>4/17/2020</a:t>
+              <a:t>4/24/2020</a:t>
             </a:fld>
             <a:endParaRPr lang="en-US" dirty="0"/>
           </a:p>
@@ -8220,7 +8225,7 @@
             <a:fld id="{B61BEF0D-F0BB-DE4B-95CE-6DB70DBA9567}" type="datetimeFigureOut">
               <a:rPr lang="en-US" dirty="0"/>
               <a:pPr/>
-              <a:t>4/17/2020</a:t>
+              <a:t>4/24/2020</a:t>
             </a:fld>
             <a:endParaRPr lang="en-US" dirty="0"/>
           </a:p>
@@ -8541,7 +8546,7 @@
             <a:fld id="{B61BEF0D-F0BB-DE4B-95CE-6DB70DBA9567}" type="datetimeFigureOut">
               <a:rPr lang="en-US" dirty="0"/>
               <a:pPr/>
-              <a:t>4/17/2020</a:t>
+              <a:t>4/24/2020</a:t>
             </a:fld>
             <a:endParaRPr lang="en-US" dirty="0"/>
           </a:p>
@@ -8752,7 +8757,7 @@
             <a:fld id="{B61BEF0D-F0BB-DE4B-95CE-6DB70DBA9567}" type="datetimeFigureOut">
               <a:rPr lang="en-US" dirty="0"/>
               <a:pPr/>
-              <a:t>4/17/2020</a:t>
+              <a:t>4/24/2020</a:t>
             </a:fld>
             <a:endParaRPr lang="en-US" dirty="0"/>
           </a:p>
@@ -9828,7 +9833,7 @@
               <a:rPr lang="fr-FR" sz="3200" dirty="0">
                 <a:latin typeface="Montserrat" panose="00000500000000000000" pitchFamily="2" charset="0"/>
               </a:rPr>
-              <a:t>Deux principaux système d’exploitation à l’époque :</a:t>
+              <a:t>Deux principaux systèmes d’exploitation à l’époque :</a:t>
             </a:r>
           </a:p>
           <a:p>
@@ -9942,7 +9947,7 @@
               <a:rPr lang="fr-FR" sz="3200" dirty="0">
                 <a:latin typeface="Montserrat" panose="00000500000000000000" pitchFamily="2" charset="0"/>
               </a:rPr>
-              <a:t>Deux principaux système d’exploitation à l’époque :</a:t>
+              <a:t>Deux principaux systèmes d’exploitation à l’époque :</a:t>
             </a:r>
           </a:p>
           <a:p>
@@ -10071,7 +10076,7 @@
               <a:rPr lang="fr-FR" sz="3200" dirty="0">
                 <a:latin typeface="Montserrat" panose="00000500000000000000" pitchFamily="2" charset="0"/>
               </a:rPr>
-              <a:t>Deux principaux système d’exploitation à l’époque :</a:t>
+              <a:t>Deux principaux systèmes d’exploitation à l’époque :</a:t>
             </a:r>
           </a:p>
           <a:p>
@@ -11583,7 +11588,7 @@
           <p:nvPr/>
         </p:nvPicPr>
         <p:blipFill>
-          <a:blip r:embed="rId2"/>
+          <a:blip r:embed="rId4"/>
           <a:stretch>
             <a:fillRect/>
           </a:stretch>
@@ -11601,6 +11606,44 @@
               <a:schemeClr val="bg1"/>
             </a:solidFill>
           </a:ln>
+        </p:spPr>
+      </p:pic>
+      <p:pic>
+        <p:nvPicPr>
+          <p:cNvPr id="2" name="Son enregistré">
+            <a:hlinkClick r:id="" action="ppaction://media"/>
+            <a:extLst>
+              <a:ext uri="{FF2B5EF4-FFF2-40B4-BE49-F238E27FC236}">
+                <a16:creationId xmlns:a16="http://schemas.microsoft.com/office/drawing/2014/main" id="{20419FF9-048E-45C8-BABA-18EB95FB90F8}"/>
+              </a:ext>
+            </a:extLst>
+          </p:cNvPr>
+          <p:cNvPicPr>
+            <a:picLocks noChangeAspect="1"/>
+          </p:cNvPicPr>
+          <p:nvPr>
+            <a:audioFile r:link="rId2"/>
+            <p:extLst>
+              <p:ext uri="{DAA4B4D4-6D71-4841-9C94-3DE7FCFB9230}">
+                <p14:media xmlns:p14="http://schemas.microsoft.com/office/powerpoint/2010/main" r:embed="rId1"/>
+              </p:ext>
+            </p:extLst>
+          </p:nvPr>
+        </p:nvPicPr>
+        <p:blipFill>
+          <a:blip r:embed="rId5"/>
+          <a:stretch>
+            <a:fillRect/>
+          </a:stretch>
+        </p:blipFill>
+        <p:spPr>
+          <a:xfrm>
+            <a:off x="5791200" y="3124200"/>
+            <a:ext cx="609600" cy="609600"/>
+          </a:xfrm>
+          <a:prstGeom prst="rect">
+            <a:avLst/>
+          </a:prstGeom>
         </p:spPr>
       </p:pic>
     </p:spTree>
@@ -11613,6 +11656,101 @@
   <p:clrMapOvr>
     <a:masterClrMapping/>
   </p:clrMapOvr>
+  <mc:AlternateContent xmlns:mc="http://schemas.openxmlformats.org/markup-compatibility/2006">
+    <mc:Choice xmlns:p14="http://schemas.microsoft.com/office/powerpoint/2010/main" Requires="p14">
+      <p:transition spd="slow" p14:dur="2000" advTm="3788"/>
+    </mc:Choice>
+    <mc:Fallback>
+      <p:transition spd="slow" advTm="3788"/>
+    </mc:Fallback>
+  </mc:AlternateContent>
+  <p:timing>
+    <p:tnLst>
+      <p:par>
+        <p:cTn id="1" dur="indefinite" restart="never" nodeType="tmRoot">
+          <p:childTnLst>
+            <p:seq concurrent="1" nextAc="seek">
+              <p:cTn id="2" dur="indefinite" nodeType="mainSeq">
+                <p:childTnLst>
+                  <p:par>
+                    <p:cTn id="3" fill="hold">
+                      <p:stCondLst>
+                        <p:cond delay="indefinite"/>
+                        <p:cond evt="onBegin" delay="0">
+                          <p:tn val="2"/>
+                        </p:cond>
+                      </p:stCondLst>
+                      <p:childTnLst>
+                        <p:par>
+                          <p:cTn id="4" fill="hold">
+                            <p:stCondLst>
+                              <p:cond delay="0"/>
+                            </p:stCondLst>
+                            <p:childTnLst>
+                              <p:par>
+                                <p:cTn id="5" presetID="1" presetClass="mediacall" presetSubtype="0" fill="hold" nodeType="afterEffect">
+                                  <p:stCondLst>
+                                    <p:cond delay="0"/>
+                                  </p:stCondLst>
+                                  <p:childTnLst>
+                                    <p:cmd type="call" cmd="playFrom(0.0)">
+                                      <p:cBhvr>
+                                        <p:cTn id="6" dur="3788" fill="hold"/>
+                                        <p:tgtEl>
+                                          <p:spTgt spid="2"/>
+                                        </p:tgtEl>
+                                      </p:cBhvr>
+                                    </p:cmd>
+                                  </p:childTnLst>
+                                </p:cTn>
+                              </p:par>
+                            </p:childTnLst>
+                          </p:cTn>
+                        </p:par>
+                      </p:childTnLst>
+                    </p:cTn>
+                  </p:par>
+                </p:childTnLst>
+              </p:cTn>
+              <p:prevCondLst>
+                <p:cond evt="onPrev" delay="0">
+                  <p:tgtEl>
+                    <p:sldTgt/>
+                  </p:tgtEl>
+                </p:cond>
+              </p:prevCondLst>
+              <p:nextCondLst>
+                <p:cond evt="onNext" delay="0">
+                  <p:tgtEl>
+                    <p:sldTgt/>
+                  </p:tgtEl>
+                </p:cond>
+              </p:nextCondLst>
+            </p:seq>
+            <p:audio>
+              <p:cMediaNode vol="80000">
+                <p:cTn id="7" fill="hold" display="0">
+                  <p:stCondLst>
+                    <p:cond delay="indefinite"/>
+                  </p:stCondLst>
+                  <p:endCondLst>
+                    <p:cond evt="onStopAudio" delay="0">
+                      <p:tgtEl>
+                        <p:sldTgt/>
+                      </p:tgtEl>
+                    </p:cond>
+                  </p:endCondLst>
+                </p:cTn>
+                <p:tgtEl>
+                  <p:spTgt spid="2"/>
+                </p:tgtEl>
+              </p:cMediaNode>
+            </p:audio>
+          </p:childTnLst>
+        </p:cTn>
+      </p:par>
+    </p:tnLst>
+  </p:timing>
 </p:sld>
 </file>
 
@@ -20928,7 +21066,7 @@
               <a:rPr lang="fr-FR" sz="2800" dirty="0">
                 <a:latin typeface="Montserrat" panose="00000500000000000000" pitchFamily="2" charset="0"/>
               </a:rPr>
-              <a:t>Gestion des requêtes et protocole réseau</a:t>
+              <a:t>Gestion des requêtes et protocoles réseau</a:t>
             </a:r>
           </a:p>
           <a:p>
